--- a/temp.pptx
+++ b/temp.pptx
@@ -107,6 +107,11 @@
       </a:defRPr>
     </a:lvl9pPr>
   </p:defaultTextStyle>
+  <p:extLst>
+    <p:ext uri="{EFAFB233-063F-42B5-8137-9DF3F51BA10A}">
+      <p15:sldGuideLst xmlns:p15="http://schemas.microsoft.com/office/powerpoint/2012/main"/>
+    </p:ext>
+  </p:extLst>
 </p:presentation>
 </file>
 
@@ -3412,10 +3417,10 @@
       </p:pic>
       <p:grpSp>
         <p:nvGrpSpPr>
-          <p:cNvPr id="15" name="组合 14">
-            <a:extLst>
-              <a:ext uri="{FF2B5EF4-FFF2-40B4-BE49-F238E27FC236}">
-                <a16:creationId xmlns:a16="http://schemas.microsoft.com/office/drawing/2014/main" id="{4BD8820A-48AA-4E73-AD4F-216B67717794}"/>
+          <p:cNvPr id="37" name="组合 36">
+            <a:extLst>
+              <a:ext uri="{FF2B5EF4-FFF2-40B4-BE49-F238E27FC236}">
+                <a16:creationId xmlns:a16="http://schemas.microsoft.com/office/drawing/2014/main" id="{42252F1F-07C0-44DB-A965-E36C79845A02}"/>
               </a:ext>
             </a:extLst>
           </p:cNvPr>
@@ -3691,10 +3696,10 @@
       </p:grpSp>
       <p:grpSp>
         <p:nvGrpSpPr>
-          <p:cNvPr id="16" name="组合 15">
-            <a:extLst>
-              <a:ext uri="{FF2B5EF4-FFF2-40B4-BE49-F238E27FC236}">
-                <a16:creationId xmlns:a16="http://schemas.microsoft.com/office/drawing/2014/main" id="{99F57A25-F86A-45A9-938D-25D848A0CD15}"/>
+          <p:cNvPr id="36" name="组合 35">
+            <a:extLst>
+              <a:ext uri="{FF2B5EF4-FFF2-40B4-BE49-F238E27FC236}">
+                <a16:creationId xmlns:a16="http://schemas.microsoft.com/office/drawing/2014/main" id="{4FEC9062-E51E-4014-BFF6-9A2FC8096362}"/>
               </a:ext>
             </a:extLst>
           </p:cNvPr>
@@ -3705,7 +3710,7 @@
           <a:xfrm>
             <a:off x="6454140" y="2472690"/>
             <a:ext cx="1992630" cy="731520"/>
-            <a:chOff x="3954780" y="2472690"/>
+            <a:chOff x="6454140" y="2472690"/>
             <a:chExt cx="1992630" cy="731520"/>
           </a:xfrm>
         </p:grpSpPr>
@@ -3723,7 +3728,7 @@
           </p:nvGrpSpPr>
           <p:grpSpPr>
             <a:xfrm>
-              <a:off x="5474970" y="2472690"/>
+              <a:off x="7974330" y="2472690"/>
               <a:ext cx="472440" cy="243840"/>
               <a:chOff x="5474970" y="2472690"/>
               <a:chExt cx="472440" cy="243840"/>
@@ -3852,7 +3857,7 @@
           </p:nvGrpSpPr>
           <p:grpSpPr>
             <a:xfrm>
-              <a:off x="3954780" y="2960370"/>
+              <a:off x="6454140" y="2960370"/>
               <a:ext cx="472440" cy="243840"/>
               <a:chOff x="5474970" y="2472690"/>
               <a:chExt cx="472440" cy="243840"/>
@@ -3970,10 +3975,10 @@
       </p:grpSp>
       <p:grpSp>
         <p:nvGrpSpPr>
-          <p:cNvPr id="23" name="组合 22">
-            <a:extLst>
-              <a:ext uri="{FF2B5EF4-FFF2-40B4-BE49-F238E27FC236}">
-                <a16:creationId xmlns:a16="http://schemas.microsoft.com/office/drawing/2014/main" id="{ACC2D5FD-294B-4D58-B42D-B501D76CEEBF}"/>
+          <p:cNvPr id="35" name="组合 34">
+            <a:extLst>
+              <a:ext uri="{FF2B5EF4-FFF2-40B4-BE49-F238E27FC236}">
+                <a16:creationId xmlns:a16="http://schemas.microsoft.com/office/drawing/2014/main" id="{E6F282DB-DC5B-4160-A830-8A65AD6C5BB0}"/>
               </a:ext>
             </a:extLst>
           </p:cNvPr>
@@ -3984,7 +3989,7 @@
           <a:xfrm>
             <a:off x="3954780" y="4459415"/>
             <a:ext cx="1992630" cy="731520"/>
-            <a:chOff x="3954780" y="2472690"/>
+            <a:chOff x="3954780" y="4459415"/>
             <a:chExt cx="1992630" cy="731520"/>
           </a:xfrm>
         </p:grpSpPr>
@@ -4002,7 +4007,7 @@
           </p:nvGrpSpPr>
           <p:grpSpPr>
             <a:xfrm>
-              <a:off x="5474970" y="2472690"/>
+              <a:off x="5474970" y="4459415"/>
               <a:ext cx="472440" cy="243840"/>
               <a:chOff x="5474970" y="2472690"/>
               <a:chExt cx="472440" cy="243840"/>
@@ -4131,7 +4136,7 @@
           </p:nvGrpSpPr>
           <p:grpSpPr>
             <a:xfrm>
-              <a:off x="3954780" y="2960370"/>
+              <a:off x="3954780" y="4947095"/>
               <a:ext cx="472440" cy="243840"/>
               <a:chOff x="5474970" y="2472690"/>
               <a:chExt cx="472440" cy="243840"/>
@@ -4249,10 +4254,10 @@
       </p:grpSp>
       <p:grpSp>
         <p:nvGrpSpPr>
-          <p:cNvPr id="44" name="组合 43">
-            <a:extLst>
-              <a:ext uri="{FF2B5EF4-FFF2-40B4-BE49-F238E27FC236}">
-                <a16:creationId xmlns:a16="http://schemas.microsoft.com/office/drawing/2014/main" id="{FA536A25-C26E-4DF6-BE85-6A5B7C253755}"/>
+          <p:cNvPr id="34" name="组合 33">
+            <a:extLst>
+              <a:ext uri="{FF2B5EF4-FFF2-40B4-BE49-F238E27FC236}">
+                <a16:creationId xmlns:a16="http://schemas.microsoft.com/office/drawing/2014/main" id="{F6246E45-8A2D-46D7-BDFA-708550784C10}"/>
               </a:ext>
             </a:extLst>
           </p:cNvPr>
@@ -4263,7 +4268,7 @@
           <a:xfrm>
             <a:off x="1427890" y="2472690"/>
             <a:ext cx="1992630" cy="731520"/>
-            <a:chOff x="3954780" y="2472690"/>
+            <a:chOff x="1427890" y="2472690"/>
             <a:chExt cx="1992630" cy="731520"/>
           </a:xfrm>
         </p:grpSpPr>
@@ -4281,7 +4286,7 @@
           </p:nvGrpSpPr>
           <p:grpSpPr>
             <a:xfrm>
-              <a:off x="5474970" y="2472690"/>
+              <a:off x="2948080" y="2472690"/>
               <a:ext cx="472440" cy="243840"/>
               <a:chOff x="5474970" y="2472690"/>
               <a:chExt cx="472440" cy="243840"/>
@@ -4410,7 +4415,7 @@
           </p:nvGrpSpPr>
           <p:grpSpPr>
             <a:xfrm>
-              <a:off x="3954780" y="2960370"/>
+              <a:off x="1427890" y="2960370"/>
               <a:ext cx="472440" cy="243840"/>
               <a:chOff x="5474970" y="2472690"/>
               <a:chExt cx="472440" cy="243840"/>
@@ -4528,10 +4533,10 @@
       </p:grpSp>
       <p:grpSp>
         <p:nvGrpSpPr>
-          <p:cNvPr id="51" name="组合 50">
-            <a:extLst>
-              <a:ext uri="{FF2B5EF4-FFF2-40B4-BE49-F238E27FC236}">
-                <a16:creationId xmlns:a16="http://schemas.microsoft.com/office/drawing/2014/main" id="{169E8F8F-CC35-4D70-A73A-B8608A35C644}"/>
+          <p:cNvPr id="33" name="组合 32">
+            <a:extLst>
+              <a:ext uri="{FF2B5EF4-FFF2-40B4-BE49-F238E27FC236}">
+                <a16:creationId xmlns:a16="http://schemas.microsoft.com/office/drawing/2014/main" id="{22C78787-530B-4F73-8FA4-6F75314CA10F}"/>
               </a:ext>
             </a:extLst>
           </p:cNvPr>
@@ -4542,7 +4547,7 @@
           <a:xfrm>
             <a:off x="1427890" y="4459415"/>
             <a:ext cx="1992630" cy="731520"/>
-            <a:chOff x="3954780" y="2472690"/>
+            <a:chOff x="1427890" y="4459415"/>
             <a:chExt cx="1992630" cy="731520"/>
           </a:xfrm>
         </p:grpSpPr>
@@ -4560,7 +4565,7 @@
           </p:nvGrpSpPr>
           <p:grpSpPr>
             <a:xfrm>
-              <a:off x="5474970" y="2472690"/>
+              <a:off x="2948080" y="4459415"/>
               <a:ext cx="472440" cy="243840"/>
               <a:chOff x="5474970" y="2472690"/>
               <a:chExt cx="472440" cy="243840"/>
@@ -4689,7 +4694,7 @@
           </p:nvGrpSpPr>
           <p:grpSpPr>
             <a:xfrm>
-              <a:off x="3954780" y="2960370"/>
+              <a:off x="1427890" y="4947095"/>
               <a:ext cx="472440" cy="243840"/>
               <a:chOff x="5474970" y="2472690"/>
               <a:chExt cx="472440" cy="243840"/>
@@ -4807,10 +4812,10 @@
       </p:grpSp>
       <p:grpSp>
         <p:nvGrpSpPr>
-          <p:cNvPr id="58" name="组合 57">
-            <a:extLst>
-              <a:ext uri="{FF2B5EF4-FFF2-40B4-BE49-F238E27FC236}">
-                <a16:creationId xmlns:a16="http://schemas.microsoft.com/office/drawing/2014/main" id="{A0A73399-4382-4677-9245-A1A24137CC3C}"/>
+          <p:cNvPr id="32" name="组合 31">
+            <a:extLst>
+              <a:ext uri="{FF2B5EF4-FFF2-40B4-BE49-F238E27FC236}">
+                <a16:creationId xmlns:a16="http://schemas.microsoft.com/office/drawing/2014/main" id="{DFA7F8F6-E591-4F1D-8AC8-6A2474519FC8}"/>
               </a:ext>
             </a:extLst>
           </p:cNvPr>
@@ -4821,7 +4826,7 @@
           <a:xfrm>
             <a:off x="8980416" y="2472690"/>
             <a:ext cx="1992630" cy="731520"/>
-            <a:chOff x="3954780" y="2472690"/>
+            <a:chOff x="8980416" y="2472690"/>
             <a:chExt cx="1992630" cy="731520"/>
           </a:xfrm>
         </p:grpSpPr>
@@ -4839,7 +4844,7 @@
           </p:nvGrpSpPr>
           <p:grpSpPr>
             <a:xfrm>
-              <a:off x="5474970" y="2472690"/>
+              <a:off x="10500606" y="2472690"/>
               <a:ext cx="472440" cy="243840"/>
               <a:chOff x="5474970" y="2472690"/>
               <a:chExt cx="472440" cy="243840"/>
@@ -4968,7 +4973,7 @@
           </p:nvGrpSpPr>
           <p:grpSpPr>
             <a:xfrm>
-              <a:off x="3954780" y="2960370"/>
+              <a:off x="8980416" y="2960370"/>
               <a:ext cx="472440" cy="243840"/>
               <a:chOff x="5474970" y="2472690"/>
               <a:chExt cx="472440" cy="243840"/>
@@ -5086,10 +5091,10 @@
       </p:grpSp>
       <p:grpSp>
         <p:nvGrpSpPr>
-          <p:cNvPr id="65" name="组合 64">
-            <a:extLst>
-              <a:ext uri="{FF2B5EF4-FFF2-40B4-BE49-F238E27FC236}">
-                <a16:creationId xmlns:a16="http://schemas.microsoft.com/office/drawing/2014/main" id="{E3564093-2664-4CFF-9D1F-6FF0D30B037C}"/>
+          <p:cNvPr id="31" name="组合 30">
+            <a:extLst>
+              <a:ext uri="{FF2B5EF4-FFF2-40B4-BE49-F238E27FC236}">
+                <a16:creationId xmlns:a16="http://schemas.microsoft.com/office/drawing/2014/main" id="{88108F91-4F19-4EAE-8029-129B9BB2D43B}"/>
               </a:ext>
             </a:extLst>
           </p:cNvPr>
@@ -5100,7 +5105,7 @@
           <a:xfrm>
             <a:off x="8980416" y="4459415"/>
             <a:ext cx="1992630" cy="731520"/>
-            <a:chOff x="3954780" y="2472690"/>
+            <a:chOff x="8980416" y="4459415"/>
             <a:chExt cx="1992630" cy="731520"/>
           </a:xfrm>
         </p:grpSpPr>
@@ -5118,7 +5123,7 @@
           </p:nvGrpSpPr>
           <p:grpSpPr>
             <a:xfrm>
-              <a:off x="5474970" y="2472690"/>
+              <a:off x="10500606" y="4459415"/>
               <a:ext cx="472440" cy="243840"/>
               <a:chOff x="5474970" y="2472690"/>
               <a:chExt cx="472440" cy="243840"/>
@@ -5247,7 +5252,7 @@
           </p:nvGrpSpPr>
           <p:grpSpPr>
             <a:xfrm>
-              <a:off x="3954780" y="2960370"/>
+              <a:off x="8980416" y="4947095"/>
               <a:ext cx="472440" cy="243840"/>
               <a:chOff x="5474970" y="2472690"/>
               <a:chExt cx="472440" cy="243840"/>
@@ -5365,10 +5370,10 @@
       </p:grpSp>
       <p:grpSp>
         <p:nvGrpSpPr>
-          <p:cNvPr id="72" name="组合 71">
-            <a:extLst>
-              <a:ext uri="{FF2B5EF4-FFF2-40B4-BE49-F238E27FC236}">
-                <a16:creationId xmlns:a16="http://schemas.microsoft.com/office/drawing/2014/main" id="{25ADC2F4-E918-4BAA-A86D-C751233BD22E}"/>
+          <p:cNvPr id="30" name="组合 29">
+            <a:extLst>
+              <a:ext uri="{FF2B5EF4-FFF2-40B4-BE49-F238E27FC236}">
+                <a16:creationId xmlns:a16="http://schemas.microsoft.com/office/drawing/2014/main" id="{872183F3-A87F-4E6A-A703-465928EE8B08}"/>
               </a:ext>
             </a:extLst>
           </p:cNvPr>
@@ -5379,7 +5384,7 @@
           <a:xfrm>
             <a:off x="6460101" y="4459415"/>
             <a:ext cx="1992630" cy="731520"/>
-            <a:chOff x="3954780" y="2472690"/>
+            <a:chOff x="6460101" y="4459415"/>
             <a:chExt cx="1992630" cy="731520"/>
           </a:xfrm>
         </p:grpSpPr>
@@ -5397,7 +5402,7 @@
           </p:nvGrpSpPr>
           <p:grpSpPr>
             <a:xfrm>
-              <a:off x="5474970" y="2472690"/>
+              <a:off x="7980291" y="4459415"/>
               <a:ext cx="472440" cy="243840"/>
               <a:chOff x="5474970" y="2472690"/>
               <a:chExt cx="472440" cy="243840"/>
@@ -5526,7 +5531,7 @@
           </p:nvGrpSpPr>
           <p:grpSpPr>
             <a:xfrm>
-              <a:off x="3954780" y="2960370"/>
+              <a:off x="6460101" y="4947095"/>
               <a:ext cx="472440" cy="243840"/>
               <a:chOff x="5474970" y="2472690"/>
               <a:chExt cx="472440" cy="243840"/>
@@ -5698,99 +5703,120 @@
           </a:p>
         </p:txBody>
       </p:sp>
-      <p:pic>
-        <p:nvPicPr>
-          <p:cNvPr id="81" name="图片 80">
-            <a:extLst>
-              <a:ext uri="{FF2B5EF4-FFF2-40B4-BE49-F238E27FC236}">
-                <a16:creationId xmlns:a16="http://schemas.microsoft.com/office/drawing/2014/main" id="{D62F0F83-0AC3-4F6D-A202-B7E1589DD4AF}"/>
-              </a:ext>
-            </a:extLst>
-          </p:cNvPr>
-          <p:cNvPicPr>
-            <a:picLocks noChangeAspect="1"/>
-          </p:cNvPicPr>
+      <p:grpSp>
+        <p:nvGrpSpPr>
+          <p:cNvPr id="38" name="组合 37">
+            <a:extLst>
+              <a:ext uri="{FF2B5EF4-FFF2-40B4-BE49-F238E27FC236}">
+                <a16:creationId xmlns:a16="http://schemas.microsoft.com/office/drawing/2014/main" id="{4937B2B5-2B1A-4D93-842B-712FE44EBB64}"/>
+              </a:ext>
+            </a:extLst>
+          </p:cNvPr>
+          <p:cNvGrpSpPr/>
           <p:nvPr/>
-        </p:nvPicPr>
-        <p:blipFill>
-          <a:blip r:embed="rId3"/>
-          <a:stretch>
-            <a:fillRect/>
-          </a:stretch>
-        </p:blipFill>
-        <p:spPr>
+        </p:nvGrpSpPr>
+        <p:grpSpPr>
           <a:xfrm>
             <a:off x="0" y="303101"/>
             <a:ext cx="12192000" cy="6251798"/>
+            <a:chOff x="0" y="303101"/>
+            <a:chExt cx="12192000" cy="6251798"/>
           </a:xfrm>
-          <a:prstGeom prst="rect">
-            <a:avLst/>
-          </a:prstGeom>
-        </p:spPr>
-      </p:pic>
-      <p:sp>
-        <p:nvSpPr>
-          <p:cNvPr id="82" name="矩形: 圆角 81">
-            <a:extLst>
-              <a:ext uri="{FF2B5EF4-FFF2-40B4-BE49-F238E27FC236}">
-                <a16:creationId xmlns:a16="http://schemas.microsoft.com/office/drawing/2014/main" id="{FD5CA76C-E252-43AC-B22A-591D40EE5607}"/>
-              </a:ext>
-            </a:extLst>
-          </p:cNvPr>
-          <p:cNvSpPr/>
-          <p:nvPr/>
-        </p:nvSpPr>
-        <p:spPr>
-          <a:xfrm>
-            <a:off x="10324076" y="474345"/>
-            <a:ext cx="412750" cy="135231"/>
-          </a:xfrm>
-          <a:prstGeom prst="roundRect">
-            <a:avLst>
-              <a:gd name="adj" fmla="val 50000"/>
-            </a:avLst>
-          </a:prstGeom>
-          <a:solidFill>
-            <a:schemeClr val="tx1">
-              <a:lumMod val="75000"/>
-              <a:lumOff val="25000"/>
-            </a:schemeClr>
-          </a:solidFill>
-          <a:ln>
-            <a:noFill/>
-          </a:ln>
-        </p:spPr>
-        <p:style>
-          <a:lnRef idx="2">
-            <a:schemeClr val="accent1">
-              <a:shade val="50000"/>
-            </a:schemeClr>
-          </a:lnRef>
-          <a:fillRef idx="1">
-            <a:schemeClr val="accent1"/>
-          </a:fillRef>
-          <a:effectRef idx="0">
-            <a:schemeClr val="accent1"/>
-          </a:effectRef>
-          <a:fontRef idx="minor">
-            <a:schemeClr val="lt1"/>
-          </a:fontRef>
-        </p:style>
-        <p:txBody>
-          <a:bodyPr rtlCol="0" anchor="ctr"/>
-          <a:lstStyle/>
-          <a:p>
-            <a:pPr algn="ctr"/>
-            <a:endParaRPr lang="zh-CN" altLang="en-US"/>
-          </a:p>
-        </p:txBody>
-      </p:sp>
+        </p:grpSpPr>
+        <p:pic>
+          <p:nvPicPr>
+            <p:cNvPr id="81" name="图片 80">
+              <a:extLst>
+                <a:ext uri="{FF2B5EF4-FFF2-40B4-BE49-F238E27FC236}">
+                  <a16:creationId xmlns:a16="http://schemas.microsoft.com/office/drawing/2014/main" id="{D62F0F83-0AC3-4F6D-A202-B7E1589DD4AF}"/>
+                </a:ext>
+              </a:extLst>
+            </p:cNvPr>
+            <p:cNvPicPr>
+              <a:picLocks noChangeAspect="1"/>
+            </p:cNvPicPr>
+            <p:nvPr/>
+          </p:nvPicPr>
+          <p:blipFill>
+            <a:blip r:embed="rId3"/>
+            <a:stretch>
+              <a:fillRect/>
+            </a:stretch>
+          </p:blipFill>
+          <p:spPr>
+            <a:xfrm>
+              <a:off x="0" y="303101"/>
+              <a:ext cx="12192000" cy="6251798"/>
+            </a:xfrm>
+            <a:prstGeom prst="rect">
+              <a:avLst/>
+            </a:prstGeom>
+          </p:spPr>
+        </p:pic>
+        <p:sp>
+          <p:nvSpPr>
+            <p:cNvPr id="82" name="矩形: 圆角 81">
+              <a:extLst>
+                <a:ext uri="{FF2B5EF4-FFF2-40B4-BE49-F238E27FC236}">
+                  <a16:creationId xmlns:a16="http://schemas.microsoft.com/office/drawing/2014/main" id="{FD5CA76C-E252-43AC-B22A-591D40EE5607}"/>
+                </a:ext>
+              </a:extLst>
+            </p:cNvPr>
+            <p:cNvSpPr/>
+            <p:nvPr/>
+          </p:nvSpPr>
+          <p:spPr>
+            <a:xfrm>
+              <a:off x="10324076" y="474345"/>
+              <a:ext cx="412750" cy="135231"/>
+            </a:xfrm>
+            <a:prstGeom prst="roundRect">
+              <a:avLst>
+                <a:gd name="adj" fmla="val 50000"/>
+              </a:avLst>
+            </a:prstGeom>
+            <a:solidFill>
+              <a:schemeClr val="tx1">
+                <a:lumMod val="75000"/>
+                <a:lumOff val="25000"/>
+              </a:schemeClr>
+            </a:solidFill>
+            <a:ln>
+              <a:noFill/>
+            </a:ln>
+          </p:spPr>
+          <p:style>
+            <a:lnRef idx="2">
+              <a:schemeClr val="accent1">
+                <a:shade val="50000"/>
+              </a:schemeClr>
+            </a:lnRef>
+            <a:fillRef idx="1">
+              <a:schemeClr val="accent1"/>
+            </a:fillRef>
+            <a:effectRef idx="0">
+              <a:schemeClr val="accent1"/>
+            </a:effectRef>
+            <a:fontRef idx="minor">
+              <a:schemeClr val="lt1"/>
+            </a:fontRef>
+          </p:style>
+          <p:txBody>
+            <a:bodyPr rtlCol="0" anchor="ctr"/>
+            <a:lstStyle/>
+            <a:p>
+              <a:pPr algn="ctr"/>
+              <a:endParaRPr lang="zh-CN" altLang="en-US"/>
+            </a:p>
+          </p:txBody>
+        </p:sp>
+      </p:grpSp>
       <p:grpSp>
         <p:nvGrpSpPr>
-          <p:cNvPr id="89" name="组合 88">
-            <a:extLst>
-              <a:ext uri="{FF2B5EF4-FFF2-40B4-BE49-F238E27FC236}">
-                <a16:creationId xmlns:a16="http://schemas.microsoft.com/office/drawing/2014/main" id="{F0E369E0-C00B-4784-A050-93DBC516C0C8}"/>
+          <p:cNvPr id="11" name="组合 10">
+            <a:extLst>
+              <a:ext uri="{FF2B5EF4-FFF2-40B4-BE49-F238E27FC236}">
+                <a16:creationId xmlns:a16="http://schemas.microsoft.com/office/drawing/2014/main" id="{657BCC5A-0E5B-4CB0-AAF6-34D51460444A}"/>
               </a:ext>
             </a:extLst>
           </p:cNvPr>
@@ -6144,10 +6170,10 @@
       </p:grpSp>
       <p:grpSp>
         <p:nvGrpSpPr>
-          <p:cNvPr id="90" name="组合 89">
-            <a:extLst>
-              <a:ext uri="{FF2B5EF4-FFF2-40B4-BE49-F238E27FC236}">
-                <a16:creationId xmlns:a16="http://schemas.microsoft.com/office/drawing/2014/main" id="{E1BDBDC5-7010-4EFC-A33A-98DC48374F46}"/>
+          <p:cNvPr id="10" name="组合 9">
+            <a:extLst>
+              <a:ext uri="{FF2B5EF4-FFF2-40B4-BE49-F238E27FC236}">
+                <a16:creationId xmlns:a16="http://schemas.microsoft.com/office/drawing/2014/main" id="{41105741-0ED8-4074-8CAD-1A0184A9E971}"/>
               </a:ext>
             </a:extLst>
           </p:cNvPr>
@@ -6158,7 +6184,7 @@
           <a:xfrm>
             <a:off x="6475095" y="2405074"/>
             <a:ext cx="1935357" cy="4159691"/>
-            <a:chOff x="8980539" y="2405074"/>
+            <a:chOff x="6475095" y="2405074"/>
             <a:chExt cx="1935357" cy="4159691"/>
           </a:xfrm>
         </p:grpSpPr>
@@ -6176,7 +6202,7 @@
           </p:nvSpPr>
           <p:spPr>
             <a:xfrm>
-              <a:off x="10503146" y="2405074"/>
+              <a:off x="7997702" y="2405074"/>
               <a:ext cx="412750" cy="135231"/>
             </a:xfrm>
             <a:prstGeom prst="roundRect">
@@ -6232,7 +6258,7 @@
           </p:nvSpPr>
           <p:spPr>
             <a:xfrm>
-              <a:off x="10503146" y="4185371"/>
+              <a:off x="7997702" y="4185371"/>
               <a:ext cx="412750" cy="135231"/>
             </a:xfrm>
             <a:prstGeom prst="roundRect">
@@ -6288,7 +6314,7 @@
           </p:nvSpPr>
           <p:spPr>
             <a:xfrm>
-              <a:off x="10503146" y="5941854"/>
+              <a:off x="7997702" y="5941854"/>
               <a:ext cx="412750" cy="135231"/>
             </a:xfrm>
             <a:prstGeom prst="roundRect">
@@ -6344,7 +6370,7 @@
           </p:nvSpPr>
           <p:spPr>
             <a:xfrm>
-              <a:off x="8980539" y="2892754"/>
+              <a:off x="6475095" y="2892754"/>
               <a:ext cx="412750" cy="135231"/>
             </a:xfrm>
             <a:prstGeom prst="roundRect">
@@ -6400,7 +6426,7 @@
           </p:nvSpPr>
           <p:spPr>
             <a:xfrm>
-              <a:off x="8980539" y="4673051"/>
+              <a:off x="6475095" y="4673051"/>
               <a:ext cx="412750" cy="135231"/>
             </a:xfrm>
             <a:prstGeom prst="roundRect">
@@ -6456,7 +6482,7 @@
           </p:nvSpPr>
           <p:spPr>
             <a:xfrm>
-              <a:off x="8980539" y="6429534"/>
+              <a:off x="6475095" y="6429534"/>
               <a:ext cx="412750" cy="135231"/>
             </a:xfrm>
             <a:prstGeom prst="roundRect">
@@ -7141,6 +7167,203 @@
             <a:schemeClr val="bg1">
               <a:lumMod val="85000"/>
             </a:schemeClr>
+          </a:solidFill>
+          <a:ln>
+            <a:noFill/>
+          </a:ln>
+        </p:spPr>
+        <p:style>
+          <a:lnRef idx="2">
+            <a:schemeClr val="accent1">
+              <a:shade val="50000"/>
+            </a:schemeClr>
+          </a:lnRef>
+          <a:fillRef idx="1">
+            <a:schemeClr val="accent1"/>
+          </a:fillRef>
+          <a:effectRef idx="0">
+            <a:schemeClr val="accent1"/>
+          </a:effectRef>
+          <a:fontRef idx="minor">
+            <a:schemeClr val="lt1"/>
+          </a:fontRef>
+        </p:style>
+        <p:txBody>
+          <a:bodyPr rtlCol="0" anchor="ctr"/>
+          <a:lstStyle/>
+          <a:p>
+            <a:pPr algn="ctr"/>
+            <a:endParaRPr lang="zh-CN" altLang="en-US"/>
+          </a:p>
+        </p:txBody>
+      </p:sp>
+      <p:pic>
+        <p:nvPicPr>
+          <p:cNvPr id="97" name="图片 96">
+            <a:extLst>
+              <a:ext uri="{FF2B5EF4-FFF2-40B4-BE49-F238E27FC236}">
+                <a16:creationId xmlns:a16="http://schemas.microsoft.com/office/drawing/2014/main" id="{AFF6D01B-F276-4034-9097-2675E891B6C3}"/>
+              </a:ext>
+            </a:extLst>
+          </p:cNvPr>
+          <p:cNvPicPr>
+            <a:picLocks noChangeAspect="1"/>
+          </p:cNvPicPr>
+          <p:nvPr/>
+        </p:nvPicPr>
+        <p:blipFill rotWithShape="1">
+          <a:blip r:embed="rId3"/>
+          <a:srcRect l="67299" t="48624" r="31017" b="45423"/>
+          <a:stretch/>
+        </p:blipFill>
+        <p:spPr>
+          <a:xfrm>
+            <a:off x="6297169" y="3342968"/>
+            <a:ext cx="2113284" cy="372186"/>
+          </a:xfrm>
+          <a:prstGeom prst="rect">
+            <a:avLst/>
+          </a:prstGeom>
+        </p:spPr>
+      </p:pic>
+      <p:sp>
+        <p:nvSpPr>
+          <p:cNvPr id="111" name="矩形: 圆角 110">
+            <a:extLst>
+              <a:ext uri="{FF2B5EF4-FFF2-40B4-BE49-F238E27FC236}">
+                <a16:creationId xmlns:a16="http://schemas.microsoft.com/office/drawing/2014/main" id="{82752648-B812-4584-A333-19A49D63B78F}"/>
+              </a:ext>
+            </a:extLst>
+          </p:cNvPr>
+          <p:cNvSpPr/>
+          <p:nvPr/>
+        </p:nvSpPr>
+        <p:spPr>
+          <a:xfrm>
+            <a:off x="6297169" y="3416881"/>
+            <a:ext cx="1315085" cy="135231"/>
+          </a:xfrm>
+          <a:prstGeom prst="roundRect">
+            <a:avLst>
+              <a:gd name="adj" fmla="val 50000"/>
+            </a:avLst>
+          </a:prstGeom>
+          <a:solidFill>
+            <a:srgbClr val="FFFFFF">
+              <a:alpha val="34118"/>
+            </a:srgbClr>
+          </a:solidFill>
+          <a:ln>
+            <a:noFill/>
+          </a:ln>
+        </p:spPr>
+        <p:style>
+          <a:lnRef idx="2">
+            <a:schemeClr val="accent1">
+              <a:shade val="50000"/>
+            </a:schemeClr>
+          </a:lnRef>
+          <a:fillRef idx="1">
+            <a:schemeClr val="accent1"/>
+          </a:fillRef>
+          <a:effectRef idx="0">
+            <a:schemeClr val="accent1"/>
+          </a:effectRef>
+          <a:fontRef idx="minor">
+            <a:schemeClr val="lt1"/>
+          </a:fontRef>
+        </p:style>
+        <p:txBody>
+          <a:bodyPr rtlCol="0" anchor="ctr"/>
+          <a:lstStyle/>
+          <a:p>
+            <a:pPr algn="ctr"/>
+            <a:endParaRPr lang="zh-CN" altLang="en-US"/>
+          </a:p>
+        </p:txBody>
+      </p:sp>
+      <p:pic>
+        <p:nvPicPr>
+          <p:cNvPr id="113" name="图片 112">
+            <a:extLst>
+              <a:ext uri="{FF2B5EF4-FFF2-40B4-BE49-F238E27FC236}">
+                <a16:creationId xmlns:a16="http://schemas.microsoft.com/office/drawing/2014/main" id="{1E569781-B1F1-4F11-BD7B-8AE8B8444A1F}"/>
+              </a:ext>
+            </a:extLst>
+          </p:cNvPr>
+          <p:cNvPicPr>
+            <a:picLocks noChangeAspect="1"/>
+          </p:cNvPicPr>
+          <p:nvPr/>
+        </p:nvPicPr>
+        <p:blipFill rotWithShape="1">
+          <a:blip r:embed="rId3"/>
+          <a:srcRect l="87329" t="48624" r="11635" b="47232"/>
+          <a:stretch/>
+        </p:blipFill>
+        <p:spPr>
+          <a:xfrm>
+            <a:off x="9607296" y="3342968"/>
+            <a:ext cx="1308600" cy="259070"/>
+          </a:xfrm>
+          <a:prstGeom prst="rect">
+            <a:avLst/>
+          </a:prstGeom>
+        </p:spPr>
+      </p:pic>
+      <p:pic>
+        <p:nvPicPr>
+          <p:cNvPr id="114" name="图片 113">
+            <a:extLst>
+              <a:ext uri="{FF2B5EF4-FFF2-40B4-BE49-F238E27FC236}">
+                <a16:creationId xmlns:a16="http://schemas.microsoft.com/office/drawing/2014/main" id="{B00183A2-742D-463F-9F47-904405B12A7E}"/>
+              </a:ext>
+            </a:extLst>
+          </p:cNvPr>
+          <p:cNvPicPr>
+            <a:picLocks noChangeAspect="1"/>
+          </p:cNvPicPr>
+          <p:nvPr/>
+        </p:nvPicPr>
+        <p:blipFill rotWithShape="1">
+          <a:blip r:embed="rId3"/>
+          <a:srcRect l="86681" t="51969" r="12848" b="45423"/>
+          <a:stretch/>
+        </p:blipFill>
+        <p:spPr>
+          <a:xfrm>
+            <a:off x="8802612" y="3552112"/>
+            <a:ext cx="590677" cy="163042"/>
+          </a:xfrm>
+          <a:prstGeom prst="rect">
+            <a:avLst/>
+          </a:prstGeom>
+        </p:spPr>
+      </p:pic>
+      <p:sp>
+        <p:nvSpPr>
+          <p:cNvPr id="39" name="矩形: 圆角 38">
+            <a:extLst>
+              <a:ext uri="{FF2B5EF4-FFF2-40B4-BE49-F238E27FC236}">
+                <a16:creationId xmlns:a16="http://schemas.microsoft.com/office/drawing/2014/main" id="{1C3AE967-ED2A-44F7-AEC7-9FBE5920E9CC}"/>
+              </a:ext>
+            </a:extLst>
+          </p:cNvPr>
+          <p:cNvSpPr/>
+          <p:nvPr/>
+        </p:nvSpPr>
+        <p:spPr>
+          <a:xfrm>
+            <a:off x="121920" y="350103"/>
+            <a:ext cx="1219200" cy="383450"/>
+          </a:xfrm>
+          <a:prstGeom prst="roundRect">
+            <a:avLst>
+              <a:gd name="adj" fmla="val 32512"/>
+            </a:avLst>
+          </a:prstGeom>
+          <a:solidFill>
+            <a:schemeClr val="tx1"/>
           </a:solidFill>
           <a:ln>
             <a:noFill/>
